--- a/ppt 16-9/0477.末日迫近了.pptx
+++ b/ppt 16-9/0477.末日迫近了.pptx
@@ -129,7 +129,7 @@
           <p:cNvPr id="2" name="标题 1">
             <a:extLst>
               <a:ext uri="{FF2B5EF4-FFF2-40B4-BE49-F238E27FC236}">
-                <a16:creationId xmlns:a16="http://schemas.microsoft.com/office/drawing/2014/main" id="{861C05C9-CD99-2E57-E25A-97F70A801C9A}"/>
+                <a16:creationId xmlns:a16="http://schemas.microsoft.com/office/drawing/2014/main" id="{FFBC2734-2D49-4422-565D-E3BF40500F17}"/>
               </a:ext>
             </a:extLst>
           </p:cNvPr>
@@ -166,7 +166,7 @@
           <p:cNvPr id="3" name="副标题 2">
             <a:extLst>
               <a:ext uri="{FF2B5EF4-FFF2-40B4-BE49-F238E27FC236}">
-                <a16:creationId xmlns:a16="http://schemas.microsoft.com/office/drawing/2014/main" id="{20E18703-478C-7225-B3E6-980F897F455D}"/>
+                <a16:creationId xmlns:a16="http://schemas.microsoft.com/office/drawing/2014/main" id="{93D4B36A-6089-D173-554E-ED2C4A06E18D}"/>
               </a:ext>
             </a:extLst>
           </p:cNvPr>
@@ -236,7 +236,7 @@
           <p:cNvPr id="4" name="日期占位符 3">
             <a:extLst>
               <a:ext uri="{FF2B5EF4-FFF2-40B4-BE49-F238E27FC236}">
-                <a16:creationId xmlns:a16="http://schemas.microsoft.com/office/drawing/2014/main" id="{2331347D-3096-43FA-4E40-5FAC08F93BED}"/>
+                <a16:creationId xmlns:a16="http://schemas.microsoft.com/office/drawing/2014/main" id="{CCF77271-B86F-93F1-D77E-94F0858BA762}"/>
               </a:ext>
             </a:extLst>
           </p:cNvPr>
@@ -252,7 +252,7 @@
           <a:bodyPr/>
           <a:lstStyle/>
           <a:p>
-            <a:fld id="{421244FF-D013-4148-AC21-3D422CCCE72A}" type="datetimeFigureOut">
+            <a:fld id="{7F5E6387-797B-4A7B-BD61-80A49F7781C7}" type="datetimeFigureOut">
               <a:rPr lang="zh-CN" altLang="en-US" smtClean="0"/>
               <a:t>2024/3/10</a:t>
             </a:fld>
@@ -265,7 +265,7 @@
           <p:cNvPr id="5" name="页脚占位符 4">
             <a:extLst>
               <a:ext uri="{FF2B5EF4-FFF2-40B4-BE49-F238E27FC236}">
-                <a16:creationId xmlns:a16="http://schemas.microsoft.com/office/drawing/2014/main" id="{43265889-2AC7-7AA5-C971-20B15254EC13}"/>
+                <a16:creationId xmlns:a16="http://schemas.microsoft.com/office/drawing/2014/main" id="{254B512C-E23C-6588-D60A-DEA6F46753F9}"/>
               </a:ext>
             </a:extLst>
           </p:cNvPr>
@@ -290,7 +290,7 @@
           <p:cNvPr id="6" name="灯片编号占位符 5">
             <a:extLst>
               <a:ext uri="{FF2B5EF4-FFF2-40B4-BE49-F238E27FC236}">
-                <a16:creationId xmlns:a16="http://schemas.microsoft.com/office/drawing/2014/main" id="{9F7BCD6D-1C8F-D68D-3DB9-557C51E92530}"/>
+                <a16:creationId xmlns:a16="http://schemas.microsoft.com/office/drawing/2014/main" id="{BA86A36C-EF36-8DCA-60AC-9CB9F56A85F6}"/>
               </a:ext>
             </a:extLst>
           </p:cNvPr>
@@ -306,7 +306,7 @@
           <a:bodyPr/>
           <a:lstStyle/>
           <a:p>
-            <a:fld id="{C8D75FC8-7C5B-49C4-B147-9170B025744A}" type="slidenum">
+            <a:fld id="{7926E6C4-1A70-4258-8C2E-03FC97D055E7}" type="slidenum">
               <a:rPr lang="zh-CN" altLang="en-US" smtClean="0"/>
               <a:t>‹#›</a:t>
             </a:fld>
@@ -317,7 +317,7 @@
     </p:spTree>
     <p:extLst>
       <p:ext uri="{BB962C8B-B14F-4D97-AF65-F5344CB8AC3E}">
-        <p14:creationId xmlns:p14="http://schemas.microsoft.com/office/powerpoint/2010/main" val="3076311535"/>
+        <p14:creationId xmlns:p14="http://schemas.microsoft.com/office/powerpoint/2010/main" val="118094285"/>
       </p:ext>
     </p:extLst>
   </p:cSld>
@@ -349,7 +349,7 @@
           <p:cNvPr id="2" name="标题 1">
             <a:extLst>
               <a:ext uri="{FF2B5EF4-FFF2-40B4-BE49-F238E27FC236}">
-                <a16:creationId xmlns:a16="http://schemas.microsoft.com/office/drawing/2014/main" id="{08042FD3-9412-5302-3CFD-2F9E66270241}"/>
+                <a16:creationId xmlns:a16="http://schemas.microsoft.com/office/drawing/2014/main" id="{DC158093-AD5D-64FA-726E-9BA54BEA2543}"/>
               </a:ext>
             </a:extLst>
           </p:cNvPr>
@@ -377,7 +377,7 @@
           <p:cNvPr id="3" name="竖排文字占位符 2">
             <a:extLst>
               <a:ext uri="{FF2B5EF4-FFF2-40B4-BE49-F238E27FC236}">
-                <a16:creationId xmlns:a16="http://schemas.microsoft.com/office/drawing/2014/main" id="{3C554FDD-608F-FC9D-81F1-3B317C93AC94}"/>
+                <a16:creationId xmlns:a16="http://schemas.microsoft.com/office/drawing/2014/main" id="{C9E3701A-60A7-F9FD-A491-A976EB18CFB1}"/>
               </a:ext>
             </a:extLst>
           </p:cNvPr>
@@ -434,7 +434,7 @@
           <p:cNvPr id="4" name="日期占位符 3">
             <a:extLst>
               <a:ext uri="{FF2B5EF4-FFF2-40B4-BE49-F238E27FC236}">
-                <a16:creationId xmlns:a16="http://schemas.microsoft.com/office/drawing/2014/main" id="{A97BB341-B03E-346B-4967-CE17494AFDCF}"/>
+                <a16:creationId xmlns:a16="http://schemas.microsoft.com/office/drawing/2014/main" id="{540C2063-2A6C-5A0F-3F35-64327BBBD990}"/>
               </a:ext>
             </a:extLst>
           </p:cNvPr>
@@ -450,7 +450,7 @@
           <a:bodyPr/>
           <a:lstStyle/>
           <a:p>
-            <a:fld id="{421244FF-D013-4148-AC21-3D422CCCE72A}" type="datetimeFigureOut">
+            <a:fld id="{7F5E6387-797B-4A7B-BD61-80A49F7781C7}" type="datetimeFigureOut">
               <a:rPr lang="zh-CN" altLang="en-US" smtClean="0"/>
               <a:t>2024/3/10</a:t>
             </a:fld>
@@ -463,7 +463,7 @@
           <p:cNvPr id="5" name="页脚占位符 4">
             <a:extLst>
               <a:ext uri="{FF2B5EF4-FFF2-40B4-BE49-F238E27FC236}">
-                <a16:creationId xmlns:a16="http://schemas.microsoft.com/office/drawing/2014/main" id="{5B49D439-FA8D-EFB3-D18B-076B2175A960}"/>
+                <a16:creationId xmlns:a16="http://schemas.microsoft.com/office/drawing/2014/main" id="{8A6BA266-A3D6-A4B8-D248-84B38A217A4F}"/>
               </a:ext>
             </a:extLst>
           </p:cNvPr>
@@ -488,7 +488,7 @@
           <p:cNvPr id="6" name="灯片编号占位符 5">
             <a:extLst>
               <a:ext uri="{FF2B5EF4-FFF2-40B4-BE49-F238E27FC236}">
-                <a16:creationId xmlns:a16="http://schemas.microsoft.com/office/drawing/2014/main" id="{C21ECD75-D381-A999-CB5B-A6EA8C5D7E5B}"/>
+                <a16:creationId xmlns:a16="http://schemas.microsoft.com/office/drawing/2014/main" id="{505B5CD7-4D16-9024-1295-86F7ED71A681}"/>
               </a:ext>
             </a:extLst>
           </p:cNvPr>
@@ -504,7 +504,7 @@
           <a:bodyPr/>
           <a:lstStyle/>
           <a:p>
-            <a:fld id="{C8D75FC8-7C5B-49C4-B147-9170B025744A}" type="slidenum">
+            <a:fld id="{7926E6C4-1A70-4258-8C2E-03FC97D055E7}" type="slidenum">
               <a:rPr lang="zh-CN" altLang="en-US" smtClean="0"/>
               <a:t>‹#›</a:t>
             </a:fld>
@@ -515,7 +515,7 @@
     </p:spTree>
     <p:extLst>
       <p:ext uri="{BB962C8B-B14F-4D97-AF65-F5344CB8AC3E}">
-        <p14:creationId xmlns:p14="http://schemas.microsoft.com/office/powerpoint/2010/main" val="2961878496"/>
+        <p14:creationId xmlns:p14="http://schemas.microsoft.com/office/powerpoint/2010/main" val="2082518796"/>
       </p:ext>
     </p:extLst>
   </p:cSld>
@@ -547,7 +547,7 @@
           <p:cNvPr id="2" name="竖排标题 1">
             <a:extLst>
               <a:ext uri="{FF2B5EF4-FFF2-40B4-BE49-F238E27FC236}">
-                <a16:creationId xmlns:a16="http://schemas.microsoft.com/office/drawing/2014/main" id="{3617D822-1719-57EA-336C-E44A2CDEDADD}"/>
+                <a16:creationId xmlns:a16="http://schemas.microsoft.com/office/drawing/2014/main" id="{A163F04F-7C86-5F14-7999-D4669D729784}"/>
               </a:ext>
             </a:extLst>
           </p:cNvPr>
@@ -580,7 +580,7 @@
           <p:cNvPr id="3" name="竖排文字占位符 2">
             <a:extLst>
               <a:ext uri="{FF2B5EF4-FFF2-40B4-BE49-F238E27FC236}">
-                <a16:creationId xmlns:a16="http://schemas.microsoft.com/office/drawing/2014/main" id="{4D5B2DA7-74DD-38DA-C4D6-7F9FB5C01D9E}"/>
+                <a16:creationId xmlns:a16="http://schemas.microsoft.com/office/drawing/2014/main" id="{A31D9CAB-DA68-4783-030C-613092903B48}"/>
               </a:ext>
             </a:extLst>
           </p:cNvPr>
@@ -642,7 +642,7 @@
           <p:cNvPr id="4" name="日期占位符 3">
             <a:extLst>
               <a:ext uri="{FF2B5EF4-FFF2-40B4-BE49-F238E27FC236}">
-                <a16:creationId xmlns:a16="http://schemas.microsoft.com/office/drawing/2014/main" id="{66671747-114A-53EB-331A-6C0B8C7CE01C}"/>
+                <a16:creationId xmlns:a16="http://schemas.microsoft.com/office/drawing/2014/main" id="{B6F4E464-676F-B830-5FAC-FDAAAA5270F0}"/>
               </a:ext>
             </a:extLst>
           </p:cNvPr>
@@ -658,7 +658,7 @@
           <a:bodyPr/>
           <a:lstStyle/>
           <a:p>
-            <a:fld id="{421244FF-D013-4148-AC21-3D422CCCE72A}" type="datetimeFigureOut">
+            <a:fld id="{7F5E6387-797B-4A7B-BD61-80A49F7781C7}" type="datetimeFigureOut">
               <a:rPr lang="zh-CN" altLang="en-US" smtClean="0"/>
               <a:t>2024/3/10</a:t>
             </a:fld>
@@ -671,7 +671,7 @@
           <p:cNvPr id="5" name="页脚占位符 4">
             <a:extLst>
               <a:ext uri="{FF2B5EF4-FFF2-40B4-BE49-F238E27FC236}">
-                <a16:creationId xmlns:a16="http://schemas.microsoft.com/office/drawing/2014/main" id="{3F599FDC-9F0B-F1E5-63BE-5D5DB91D2059}"/>
+                <a16:creationId xmlns:a16="http://schemas.microsoft.com/office/drawing/2014/main" id="{12617FC0-9228-7A18-7D2A-6260A5F7B74F}"/>
               </a:ext>
             </a:extLst>
           </p:cNvPr>
@@ -696,7 +696,7 @@
           <p:cNvPr id="6" name="灯片编号占位符 5">
             <a:extLst>
               <a:ext uri="{FF2B5EF4-FFF2-40B4-BE49-F238E27FC236}">
-                <a16:creationId xmlns:a16="http://schemas.microsoft.com/office/drawing/2014/main" id="{035AA3D5-2E01-95D6-038C-969874D3D2A1}"/>
+                <a16:creationId xmlns:a16="http://schemas.microsoft.com/office/drawing/2014/main" id="{C70EEFF5-B5F9-B7E8-392F-91E09B6026AE}"/>
               </a:ext>
             </a:extLst>
           </p:cNvPr>
@@ -712,7 +712,7 @@
           <a:bodyPr/>
           <a:lstStyle/>
           <a:p>
-            <a:fld id="{C8D75FC8-7C5B-49C4-B147-9170B025744A}" type="slidenum">
+            <a:fld id="{7926E6C4-1A70-4258-8C2E-03FC97D055E7}" type="slidenum">
               <a:rPr lang="zh-CN" altLang="en-US" smtClean="0"/>
               <a:t>‹#›</a:t>
             </a:fld>
@@ -723,7 +723,7 @@
     </p:spTree>
     <p:extLst>
       <p:ext uri="{BB962C8B-B14F-4D97-AF65-F5344CB8AC3E}">
-        <p14:creationId xmlns:p14="http://schemas.microsoft.com/office/powerpoint/2010/main" val="1506405960"/>
+        <p14:creationId xmlns:p14="http://schemas.microsoft.com/office/powerpoint/2010/main" val="2794394793"/>
       </p:ext>
     </p:extLst>
   </p:cSld>
@@ -755,7 +755,7 @@
           <p:cNvPr id="2" name="标题 1">
             <a:extLst>
               <a:ext uri="{FF2B5EF4-FFF2-40B4-BE49-F238E27FC236}">
-                <a16:creationId xmlns:a16="http://schemas.microsoft.com/office/drawing/2014/main" id="{7D75FED5-FDFD-CE68-34E8-BD90985009A2}"/>
+                <a16:creationId xmlns:a16="http://schemas.microsoft.com/office/drawing/2014/main" id="{6A3C815E-74A0-9739-A56F-BAF58C780A6D}"/>
               </a:ext>
             </a:extLst>
           </p:cNvPr>
@@ -783,7 +783,7 @@
           <p:cNvPr id="3" name="内容占位符 2">
             <a:extLst>
               <a:ext uri="{FF2B5EF4-FFF2-40B4-BE49-F238E27FC236}">
-                <a16:creationId xmlns:a16="http://schemas.microsoft.com/office/drawing/2014/main" id="{A4C70618-61EE-2A89-C069-28AF05C331B8}"/>
+                <a16:creationId xmlns:a16="http://schemas.microsoft.com/office/drawing/2014/main" id="{CCBA9ACD-FB33-29E4-0F5E-B4A6209A33F5}"/>
               </a:ext>
             </a:extLst>
           </p:cNvPr>
@@ -840,7 +840,7 @@
           <p:cNvPr id="4" name="日期占位符 3">
             <a:extLst>
               <a:ext uri="{FF2B5EF4-FFF2-40B4-BE49-F238E27FC236}">
-                <a16:creationId xmlns:a16="http://schemas.microsoft.com/office/drawing/2014/main" id="{C70FCFCE-176A-0984-F2E3-82F2F8A30BF4}"/>
+                <a16:creationId xmlns:a16="http://schemas.microsoft.com/office/drawing/2014/main" id="{BE3ECEA3-1FA5-27B3-5871-62BBB270CA3C}"/>
               </a:ext>
             </a:extLst>
           </p:cNvPr>
@@ -856,7 +856,7 @@
           <a:bodyPr/>
           <a:lstStyle/>
           <a:p>
-            <a:fld id="{421244FF-D013-4148-AC21-3D422CCCE72A}" type="datetimeFigureOut">
+            <a:fld id="{7F5E6387-797B-4A7B-BD61-80A49F7781C7}" type="datetimeFigureOut">
               <a:rPr lang="zh-CN" altLang="en-US" smtClean="0"/>
               <a:t>2024/3/10</a:t>
             </a:fld>
@@ -869,7 +869,7 @@
           <p:cNvPr id="5" name="页脚占位符 4">
             <a:extLst>
               <a:ext uri="{FF2B5EF4-FFF2-40B4-BE49-F238E27FC236}">
-                <a16:creationId xmlns:a16="http://schemas.microsoft.com/office/drawing/2014/main" id="{0B7970B1-AAAF-21B8-9EA2-828ACFEFBB84}"/>
+                <a16:creationId xmlns:a16="http://schemas.microsoft.com/office/drawing/2014/main" id="{99B115E6-C85F-29E3-4D79-D80C94892A69}"/>
               </a:ext>
             </a:extLst>
           </p:cNvPr>
@@ -894,7 +894,7 @@
           <p:cNvPr id="6" name="灯片编号占位符 5">
             <a:extLst>
               <a:ext uri="{FF2B5EF4-FFF2-40B4-BE49-F238E27FC236}">
-                <a16:creationId xmlns:a16="http://schemas.microsoft.com/office/drawing/2014/main" id="{52A8147E-BB62-65C3-32FC-DB3EDA46C73E}"/>
+                <a16:creationId xmlns:a16="http://schemas.microsoft.com/office/drawing/2014/main" id="{A4260A12-5B85-82FA-C0FF-16DBB1E44DC5}"/>
               </a:ext>
             </a:extLst>
           </p:cNvPr>
@@ -910,7 +910,7 @@
           <a:bodyPr/>
           <a:lstStyle/>
           <a:p>
-            <a:fld id="{C8D75FC8-7C5B-49C4-B147-9170B025744A}" type="slidenum">
+            <a:fld id="{7926E6C4-1A70-4258-8C2E-03FC97D055E7}" type="slidenum">
               <a:rPr lang="zh-CN" altLang="en-US" smtClean="0"/>
               <a:t>‹#›</a:t>
             </a:fld>
@@ -921,7 +921,7 @@
     </p:spTree>
     <p:extLst>
       <p:ext uri="{BB962C8B-B14F-4D97-AF65-F5344CB8AC3E}">
-        <p14:creationId xmlns:p14="http://schemas.microsoft.com/office/powerpoint/2010/main" val="970596675"/>
+        <p14:creationId xmlns:p14="http://schemas.microsoft.com/office/powerpoint/2010/main" val="1863318882"/>
       </p:ext>
     </p:extLst>
   </p:cSld>
@@ -953,7 +953,7 @@
           <p:cNvPr id="2" name="标题 1">
             <a:extLst>
               <a:ext uri="{FF2B5EF4-FFF2-40B4-BE49-F238E27FC236}">
-                <a16:creationId xmlns:a16="http://schemas.microsoft.com/office/drawing/2014/main" id="{6A757701-E7B7-8EC1-E2A9-C515DEDF3200}"/>
+                <a16:creationId xmlns:a16="http://schemas.microsoft.com/office/drawing/2014/main" id="{D4184BD9-5E03-6526-69CE-2B7F4BB1D5B4}"/>
               </a:ext>
             </a:extLst>
           </p:cNvPr>
@@ -990,7 +990,7 @@
           <p:cNvPr id="3" name="文本占位符 2">
             <a:extLst>
               <a:ext uri="{FF2B5EF4-FFF2-40B4-BE49-F238E27FC236}">
-                <a16:creationId xmlns:a16="http://schemas.microsoft.com/office/drawing/2014/main" id="{D75D1675-A4B4-ECA4-C3BF-8C2B83D3E0F3}"/>
+                <a16:creationId xmlns:a16="http://schemas.microsoft.com/office/drawing/2014/main" id="{01C0ED7C-33AE-C4CA-D0B0-6FF2E281DC6A}"/>
               </a:ext>
             </a:extLst>
           </p:cNvPr>
@@ -1115,7 +1115,7 @@
           <p:cNvPr id="4" name="日期占位符 3">
             <a:extLst>
               <a:ext uri="{FF2B5EF4-FFF2-40B4-BE49-F238E27FC236}">
-                <a16:creationId xmlns:a16="http://schemas.microsoft.com/office/drawing/2014/main" id="{0E369B2A-E632-B162-8E43-14998A85F770}"/>
+                <a16:creationId xmlns:a16="http://schemas.microsoft.com/office/drawing/2014/main" id="{9C9A3E88-1C7E-69C9-56EE-5D6D1C89C6FB}"/>
               </a:ext>
             </a:extLst>
           </p:cNvPr>
@@ -1131,7 +1131,7 @@
           <a:bodyPr/>
           <a:lstStyle/>
           <a:p>
-            <a:fld id="{421244FF-D013-4148-AC21-3D422CCCE72A}" type="datetimeFigureOut">
+            <a:fld id="{7F5E6387-797B-4A7B-BD61-80A49F7781C7}" type="datetimeFigureOut">
               <a:rPr lang="zh-CN" altLang="en-US" smtClean="0"/>
               <a:t>2024/3/10</a:t>
             </a:fld>
@@ -1144,7 +1144,7 @@
           <p:cNvPr id="5" name="页脚占位符 4">
             <a:extLst>
               <a:ext uri="{FF2B5EF4-FFF2-40B4-BE49-F238E27FC236}">
-                <a16:creationId xmlns:a16="http://schemas.microsoft.com/office/drawing/2014/main" id="{85675100-4471-7E2A-93F6-09EBF3735E39}"/>
+                <a16:creationId xmlns:a16="http://schemas.microsoft.com/office/drawing/2014/main" id="{6E7BB03C-4B0A-430A-7C11-35CF6DFC4CA8}"/>
               </a:ext>
             </a:extLst>
           </p:cNvPr>
@@ -1169,7 +1169,7 @@
           <p:cNvPr id="6" name="灯片编号占位符 5">
             <a:extLst>
               <a:ext uri="{FF2B5EF4-FFF2-40B4-BE49-F238E27FC236}">
-                <a16:creationId xmlns:a16="http://schemas.microsoft.com/office/drawing/2014/main" id="{714C4225-C17B-2E32-5E47-45FAB0A1AF0D}"/>
+                <a16:creationId xmlns:a16="http://schemas.microsoft.com/office/drawing/2014/main" id="{BD3DA919-B6E6-C86B-DDEF-282561685A6C}"/>
               </a:ext>
             </a:extLst>
           </p:cNvPr>
@@ -1185,7 +1185,7 @@
           <a:bodyPr/>
           <a:lstStyle/>
           <a:p>
-            <a:fld id="{C8D75FC8-7C5B-49C4-B147-9170B025744A}" type="slidenum">
+            <a:fld id="{7926E6C4-1A70-4258-8C2E-03FC97D055E7}" type="slidenum">
               <a:rPr lang="zh-CN" altLang="en-US" smtClean="0"/>
               <a:t>‹#›</a:t>
             </a:fld>
@@ -1196,7 +1196,7 @@
     </p:spTree>
     <p:extLst>
       <p:ext uri="{BB962C8B-B14F-4D97-AF65-F5344CB8AC3E}">
-        <p14:creationId xmlns:p14="http://schemas.microsoft.com/office/powerpoint/2010/main" val="2115990711"/>
+        <p14:creationId xmlns:p14="http://schemas.microsoft.com/office/powerpoint/2010/main" val="345982777"/>
       </p:ext>
     </p:extLst>
   </p:cSld>
@@ -1228,7 +1228,7 @@
           <p:cNvPr id="2" name="标题 1">
             <a:extLst>
               <a:ext uri="{FF2B5EF4-FFF2-40B4-BE49-F238E27FC236}">
-                <a16:creationId xmlns:a16="http://schemas.microsoft.com/office/drawing/2014/main" id="{859D541B-FA7D-BA6C-388B-4D8F6BA8BB79}"/>
+                <a16:creationId xmlns:a16="http://schemas.microsoft.com/office/drawing/2014/main" id="{6D9A2471-6840-05A2-8C21-9D86CE9A98F7}"/>
               </a:ext>
             </a:extLst>
           </p:cNvPr>
@@ -1256,7 +1256,7 @@
           <p:cNvPr id="3" name="内容占位符 2">
             <a:extLst>
               <a:ext uri="{FF2B5EF4-FFF2-40B4-BE49-F238E27FC236}">
-                <a16:creationId xmlns:a16="http://schemas.microsoft.com/office/drawing/2014/main" id="{E2F263EA-D033-681F-F724-8843020486FC}"/>
+                <a16:creationId xmlns:a16="http://schemas.microsoft.com/office/drawing/2014/main" id="{51F4A024-A60D-82BA-F175-CAA6D2BBE2FE}"/>
               </a:ext>
             </a:extLst>
           </p:cNvPr>
@@ -1318,7 +1318,7 @@
           <p:cNvPr id="4" name="内容占位符 3">
             <a:extLst>
               <a:ext uri="{FF2B5EF4-FFF2-40B4-BE49-F238E27FC236}">
-                <a16:creationId xmlns:a16="http://schemas.microsoft.com/office/drawing/2014/main" id="{56A4317F-2F82-D041-4A55-9F4BD02F4606}"/>
+                <a16:creationId xmlns:a16="http://schemas.microsoft.com/office/drawing/2014/main" id="{70A6CAE0-28B4-1C2F-502B-D06B4C8686DF}"/>
               </a:ext>
             </a:extLst>
           </p:cNvPr>
@@ -1380,7 +1380,7 @@
           <p:cNvPr id="5" name="日期占位符 4">
             <a:extLst>
               <a:ext uri="{FF2B5EF4-FFF2-40B4-BE49-F238E27FC236}">
-                <a16:creationId xmlns:a16="http://schemas.microsoft.com/office/drawing/2014/main" id="{8CDB2B7D-60F7-2DBB-F811-CD63E32C7EEB}"/>
+                <a16:creationId xmlns:a16="http://schemas.microsoft.com/office/drawing/2014/main" id="{C202AD1C-68FE-A424-60E0-529A1EE700D2}"/>
               </a:ext>
             </a:extLst>
           </p:cNvPr>
@@ -1396,7 +1396,7 @@
           <a:bodyPr/>
           <a:lstStyle/>
           <a:p>
-            <a:fld id="{421244FF-D013-4148-AC21-3D422CCCE72A}" type="datetimeFigureOut">
+            <a:fld id="{7F5E6387-797B-4A7B-BD61-80A49F7781C7}" type="datetimeFigureOut">
               <a:rPr lang="zh-CN" altLang="en-US" smtClean="0"/>
               <a:t>2024/3/10</a:t>
             </a:fld>
@@ -1409,7 +1409,7 @@
           <p:cNvPr id="6" name="页脚占位符 5">
             <a:extLst>
               <a:ext uri="{FF2B5EF4-FFF2-40B4-BE49-F238E27FC236}">
-                <a16:creationId xmlns:a16="http://schemas.microsoft.com/office/drawing/2014/main" id="{8CB5ED8A-325B-C206-83FE-66CCB52A60BA}"/>
+                <a16:creationId xmlns:a16="http://schemas.microsoft.com/office/drawing/2014/main" id="{D778BAE3-7A4C-D8CA-EB47-77C27C6E27BA}"/>
               </a:ext>
             </a:extLst>
           </p:cNvPr>
@@ -1434,7 +1434,7 @@
           <p:cNvPr id="7" name="灯片编号占位符 6">
             <a:extLst>
               <a:ext uri="{FF2B5EF4-FFF2-40B4-BE49-F238E27FC236}">
-                <a16:creationId xmlns:a16="http://schemas.microsoft.com/office/drawing/2014/main" id="{CB82F5EA-A8EA-84B1-74F8-F3DC7C5CB667}"/>
+                <a16:creationId xmlns:a16="http://schemas.microsoft.com/office/drawing/2014/main" id="{09D85B92-2362-93D3-CAC0-4797FFAF1B31}"/>
               </a:ext>
             </a:extLst>
           </p:cNvPr>
@@ -1450,7 +1450,7 @@
           <a:bodyPr/>
           <a:lstStyle/>
           <a:p>
-            <a:fld id="{C8D75FC8-7C5B-49C4-B147-9170B025744A}" type="slidenum">
+            <a:fld id="{7926E6C4-1A70-4258-8C2E-03FC97D055E7}" type="slidenum">
               <a:rPr lang="zh-CN" altLang="en-US" smtClean="0"/>
               <a:t>‹#›</a:t>
             </a:fld>
@@ -1461,7 +1461,7 @@
     </p:spTree>
     <p:extLst>
       <p:ext uri="{BB962C8B-B14F-4D97-AF65-F5344CB8AC3E}">
-        <p14:creationId xmlns:p14="http://schemas.microsoft.com/office/powerpoint/2010/main" val="243439064"/>
+        <p14:creationId xmlns:p14="http://schemas.microsoft.com/office/powerpoint/2010/main" val="2501355915"/>
       </p:ext>
     </p:extLst>
   </p:cSld>
@@ -1493,7 +1493,7 @@
           <p:cNvPr id="2" name="标题 1">
             <a:extLst>
               <a:ext uri="{FF2B5EF4-FFF2-40B4-BE49-F238E27FC236}">
-                <a16:creationId xmlns:a16="http://schemas.microsoft.com/office/drawing/2014/main" id="{7BA04504-E237-EF8A-DC09-12377FCE3FFA}"/>
+                <a16:creationId xmlns:a16="http://schemas.microsoft.com/office/drawing/2014/main" id="{F753AFD1-87C8-CE1B-9644-27A515BEEB41}"/>
               </a:ext>
             </a:extLst>
           </p:cNvPr>
@@ -1526,7 +1526,7 @@
           <p:cNvPr id="3" name="文本占位符 2">
             <a:extLst>
               <a:ext uri="{FF2B5EF4-FFF2-40B4-BE49-F238E27FC236}">
-                <a16:creationId xmlns:a16="http://schemas.microsoft.com/office/drawing/2014/main" id="{CF2F8174-F090-D710-14C1-9154B339E751}"/>
+                <a16:creationId xmlns:a16="http://schemas.microsoft.com/office/drawing/2014/main" id="{8EF1B7FB-B7B5-519C-3DB3-77C349649445}"/>
               </a:ext>
             </a:extLst>
           </p:cNvPr>
@@ -1597,7 +1597,7 @@
           <p:cNvPr id="4" name="内容占位符 3">
             <a:extLst>
               <a:ext uri="{FF2B5EF4-FFF2-40B4-BE49-F238E27FC236}">
-                <a16:creationId xmlns:a16="http://schemas.microsoft.com/office/drawing/2014/main" id="{539862D2-10A0-61DB-3F8D-6E8839D5FF0D}"/>
+                <a16:creationId xmlns:a16="http://schemas.microsoft.com/office/drawing/2014/main" id="{56EAFEBF-0B4D-458A-220E-0DE601074BC1}"/>
               </a:ext>
             </a:extLst>
           </p:cNvPr>
@@ -1659,7 +1659,7 @@
           <p:cNvPr id="5" name="文本占位符 4">
             <a:extLst>
               <a:ext uri="{FF2B5EF4-FFF2-40B4-BE49-F238E27FC236}">
-                <a16:creationId xmlns:a16="http://schemas.microsoft.com/office/drawing/2014/main" id="{301FFDDA-795D-07E4-AB46-4CB7301BCE05}"/>
+                <a16:creationId xmlns:a16="http://schemas.microsoft.com/office/drawing/2014/main" id="{ADF35D9B-C432-42BA-C7FC-F2D2448F262F}"/>
               </a:ext>
             </a:extLst>
           </p:cNvPr>
@@ -1730,7 +1730,7 @@
           <p:cNvPr id="6" name="内容占位符 5">
             <a:extLst>
               <a:ext uri="{FF2B5EF4-FFF2-40B4-BE49-F238E27FC236}">
-                <a16:creationId xmlns:a16="http://schemas.microsoft.com/office/drawing/2014/main" id="{CBE64292-7EC2-7BC0-3DD7-6608834BA832}"/>
+                <a16:creationId xmlns:a16="http://schemas.microsoft.com/office/drawing/2014/main" id="{C3F3D499-28CD-E3F7-35F1-7B32C6D1E041}"/>
               </a:ext>
             </a:extLst>
           </p:cNvPr>
@@ -1792,7 +1792,7 @@
           <p:cNvPr id="7" name="日期占位符 6">
             <a:extLst>
               <a:ext uri="{FF2B5EF4-FFF2-40B4-BE49-F238E27FC236}">
-                <a16:creationId xmlns:a16="http://schemas.microsoft.com/office/drawing/2014/main" id="{D63EFD43-6DFB-68EA-EA97-0BC777B7B57F}"/>
+                <a16:creationId xmlns:a16="http://schemas.microsoft.com/office/drawing/2014/main" id="{1B3ADBF6-A599-796F-0A32-57AEC7437CE4}"/>
               </a:ext>
             </a:extLst>
           </p:cNvPr>
@@ -1808,7 +1808,7 @@
           <a:bodyPr/>
           <a:lstStyle/>
           <a:p>
-            <a:fld id="{421244FF-D013-4148-AC21-3D422CCCE72A}" type="datetimeFigureOut">
+            <a:fld id="{7F5E6387-797B-4A7B-BD61-80A49F7781C7}" type="datetimeFigureOut">
               <a:rPr lang="zh-CN" altLang="en-US" smtClean="0"/>
               <a:t>2024/3/10</a:t>
             </a:fld>
@@ -1821,7 +1821,7 @@
           <p:cNvPr id="8" name="页脚占位符 7">
             <a:extLst>
               <a:ext uri="{FF2B5EF4-FFF2-40B4-BE49-F238E27FC236}">
-                <a16:creationId xmlns:a16="http://schemas.microsoft.com/office/drawing/2014/main" id="{A4787AEF-7492-99F2-F39C-16CC2A048BB1}"/>
+                <a16:creationId xmlns:a16="http://schemas.microsoft.com/office/drawing/2014/main" id="{B06890F9-D750-FBC2-EA1B-F69175F658B9}"/>
               </a:ext>
             </a:extLst>
           </p:cNvPr>
@@ -1846,7 +1846,7 @@
           <p:cNvPr id="9" name="灯片编号占位符 8">
             <a:extLst>
               <a:ext uri="{FF2B5EF4-FFF2-40B4-BE49-F238E27FC236}">
-                <a16:creationId xmlns:a16="http://schemas.microsoft.com/office/drawing/2014/main" id="{07FF9026-D641-7E29-5729-643AF9643863}"/>
+                <a16:creationId xmlns:a16="http://schemas.microsoft.com/office/drawing/2014/main" id="{69AD6ED3-B784-226C-2003-A2E90FE99CFF}"/>
               </a:ext>
             </a:extLst>
           </p:cNvPr>
@@ -1862,7 +1862,7 @@
           <a:bodyPr/>
           <a:lstStyle/>
           <a:p>
-            <a:fld id="{C8D75FC8-7C5B-49C4-B147-9170B025744A}" type="slidenum">
+            <a:fld id="{7926E6C4-1A70-4258-8C2E-03FC97D055E7}" type="slidenum">
               <a:rPr lang="zh-CN" altLang="en-US" smtClean="0"/>
               <a:t>‹#›</a:t>
             </a:fld>
@@ -1873,7 +1873,7 @@
     </p:spTree>
     <p:extLst>
       <p:ext uri="{BB962C8B-B14F-4D97-AF65-F5344CB8AC3E}">
-        <p14:creationId xmlns:p14="http://schemas.microsoft.com/office/powerpoint/2010/main" val="3678748437"/>
+        <p14:creationId xmlns:p14="http://schemas.microsoft.com/office/powerpoint/2010/main" val="4102718901"/>
       </p:ext>
     </p:extLst>
   </p:cSld>
@@ -1905,7 +1905,7 @@
           <p:cNvPr id="2" name="标题 1">
             <a:extLst>
               <a:ext uri="{FF2B5EF4-FFF2-40B4-BE49-F238E27FC236}">
-                <a16:creationId xmlns:a16="http://schemas.microsoft.com/office/drawing/2014/main" id="{0DE675DA-71C0-DADD-5E70-6B5FA3623680}"/>
+                <a16:creationId xmlns:a16="http://schemas.microsoft.com/office/drawing/2014/main" id="{2FB711C9-ACD6-61D1-115B-9F0F73CF93B4}"/>
               </a:ext>
             </a:extLst>
           </p:cNvPr>
@@ -1933,7 +1933,7 @@
           <p:cNvPr id="3" name="日期占位符 2">
             <a:extLst>
               <a:ext uri="{FF2B5EF4-FFF2-40B4-BE49-F238E27FC236}">
-                <a16:creationId xmlns:a16="http://schemas.microsoft.com/office/drawing/2014/main" id="{E919B4A7-C230-7B00-B987-905B6890A706}"/>
+                <a16:creationId xmlns:a16="http://schemas.microsoft.com/office/drawing/2014/main" id="{DB5E4160-F14E-12E4-55B1-AD31B3A16B84}"/>
               </a:ext>
             </a:extLst>
           </p:cNvPr>
@@ -1949,7 +1949,7 @@
           <a:bodyPr/>
           <a:lstStyle/>
           <a:p>
-            <a:fld id="{421244FF-D013-4148-AC21-3D422CCCE72A}" type="datetimeFigureOut">
+            <a:fld id="{7F5E6387-797B-4A7B-BD61-80A49F7781C7}" type="datetimeFigureOut">
               <a:rPr lang="zh-CN" altLang="en-US" smtClean="0"/>
               <a:t>2024/3/10</a:t>
             </a:fld>
@@ -1962,7 +1962,7 @@
           <p:cNvPr id="4" name="页脚占位符 3">
             <a:extLst>
               <a:ext uri="{FF2B5EF4-FFF2-40B4-BE49-F238E27FC236}">
-                <a16:creationId xmlns:a16="http://schemas.microsoft.com/office/drawing/2014/main" id="{0A7D07DE-A01C-34F1-BBD5-DBE8B7458815}"/>
+                <a16:creationId xmlns:a16="http://schemas.microsoft.com/office/drawing/2014/main" id="{8373A60B-5D58-D5DF-8828-C7F521A0DB44}"/>
               </a:ext>
             </a:extLst>
           </p:cNvPr>
@@ -1987,7 +1987,7 @@
           <p:cNvPr id="5" name="灯片编号占位符 4">
             <a:extLst>
               <a:ext uri="{FF2B5EF4-FFF2-40B4-BE49-F238E27FC236}">
-                <a16:creationId xmlns:a16="http://schemas.microsoft.com/office/drawing/2014/main" id="{21500C96-F652-1461-F10F-7913B54D94CA}"/>
+                <a16:creationId xmlns:a16="http://schemas.microsoft.com/office/drawing/2014/main" id="{DBF61F0B-04BF-DABC-AC37-C76E911D6F0C}"/>
               </a:ext>
             </a:extLst>
           </p:cNvPr>
@@ -2003,7 +2003,7 @@
           <a:bodyPr/>
           <a:lstStyle/>
           <a:p>
-            <a:fld id="{C8D75FC8-7C5B-49C4-B147-9170B025744A}" type="slidenum">
+            <a:fld id="{7926E6C4-1A70-4258-8C2E-03FC97D055E7}" type="slidenum">
               <a:rPr lang="zh-CN" altLang="en-US" smtClean="0"/>
               <a:t>‹#›</a:t>
             </a:fld>
@@ -2014,7 +2014,7 @@
     </p:spTree>
     <p:extLst>
       <p:ext uri="{BB962C8B-B14F-4D97-AF65-F5344CB8AC3E}">
-        <p14:creationId xmlns:p14="http://schemas.microsoft.com/office/powerpoint/2010/main" val="1310881532"/>
+        <p14:creationId xmlns:p14="http://schemas.microsoft.com/office/powerpoint/2010/main" val="83968345"/>
       </p:ext>
     </p:extLst>
   </p:cSld>
@@ -2046,7 +2046,7 @@
           <p:cNvPr id="2" name="日期占位符 1">
             <a:extLst>
               <a:ext uri="{FF2B5EF4-FFF2-40B4-BE49-F238E27FC236}">
-                <a16:creationId xmlns:a16="http://schemas.microsoft.com/office/drawing/2014/main" id="{805AC840-7C93-218C-E791-049A33F34AC2}"/>
+                <a16:creationId xmlns:a16="http://schemas.microsoft.com/office/drawing/2014/main" id="{C33C4809-1BC6-3A55-A137-89E754F96D20}"/>
               </a:ext>
             </a:extLst>
           </p:cNvPr>
@@ -2062,7 +2062,7 @@
           <a:bodyPr/>
           <a:lstStyle/>
           <a:p>
-            <a:fld id="{421244FF-D013-4148-AC21-3D422CCCE72A}" type="datetimeFigureOut">
+            <a:fld id="{7F5E6387-797B-4A7B-BD61-80A49F7781C7}" type="datetimeFigureOut">
               <a:rPr lang="zh-CN" altLang="en-US" smtClean="0"/>
               <a:t>2024/3/10</a:t>
             </a:fld>
@@ -2075,7 +2075,7 @@
           <p:cNvPr id="3" name="页脚占位符 2">
             <a:extLst>
               <a:ext uri="{FF2B5EF4-FFF2-40B4-BE49-F238E27FC236}">
-                <a16:creationId xmlns:a16="http://schemas.microsoft.com/office/drawing/2014/main" id="{F1204EC0-DE07-30C5-C228-E19D7C9509D0}"/>
+                <a16:creationId xmlns:a16="http://schemas.microsoft.com/office/drawing/2014/main" id="{244B71C8-DC3F-2EF4-0B25-E2C7CDB915AF}"/>
               </a:ext>
             </a:extLst>
           </p:cNvPr>
@@ -2100,7 +2100,7 @@
           <p:cNvPr id="4" name="灯片编号占位符 3">
             <a:extLst>
               <a:ext uri="{FF2B5EF4-FFF2-40B4-BE49-F238E27FC236}">
-                <a16:creationId xmlns:a16="http://schemas.microsoft.com/office/drawing/2014/main" id="{4F64F6F4-C392-253F-833F-37C2ED3692CC}"/>
+                <a16:creationId xmlns:a16="http://schemas.microsoft.com/office/drawing/2014/main" id="{72AE05B7-8141-363A-D7B0-304163BEB892}"/>
               </a:ext>
             </a:extLst>
           </p:cNvPr>
@@ -2116,7 +2116,7 @@
           <a:bodyPr/>
           <a:lstStyle/>
           <a:p>
-            <a:fld id="{C8D75FC8-7C5B-49C4-B147-9170B025744A}" type="slidenum">
+            <a:fld id="{7926E6C4-1A70-4258-8C2E-03FC97D055E7}" type="slidenum">
               <a:rPr lang="zh-CN" altLang="en-US" smtClean="0"/>
               <a:t>‹#›</a:t>
             </a:fld>
@@ -2127,7 +2127,7 @@
     </p:spTree>
     <p:extLst>
       <p:ext uri="{BB962C8B-B14F-4D97-AF65-F5344CB8AC3E}">
-        <p14:creationId xmlns:p14="http://schemas.microsoft.com/office/powerpoint/2010/main" val="337979166"/>
+        <p14:creationId xmlns:p14="http://schemas.microsoft.com/office/powerpoint/2010/main" val="4141151462"/>
       </p:ext>
     </p:extLst>
   </p:cSld>
@@ -2159,7 +2159,7 @@
           <p:cNvPr id="2" name="标题 1">
             <a:extLst>
               <a:ext uri="{FF2B5EF4-FFF2-40B4-BE49-F238E27FC236}">
-                <a16:creationId xmlns:a16="http://schemas.microsoft.com/office/drawing/2014/main" id="{3A58B896-2353-A9E7-E9C7-7B5E1204F12F}"/>
+                <a16:creationId xmlns:a16="http://schemas.microsoft.com/office/drawing/2014/main" id="{9118E4F8-6D01-1615-76A3-58574CC7508E}"/>
               </a:ext>
             </a:extLst>
           </p:cNvPr>
@@ -2196,7 +2196,7 @@
           <p:cNvPr id="3" name="内容占位符 2">
             <a:extLst>
               <a:ext uri="{FF2B5EF4-FFF2-40B4-BE49-F238E27FC236}">
-                <a16:creationId xmlns:a16="http://schemas.microsoft.com/office/drawing/2014/main" id="{195FD9F5-ECDC-7368-B6B2-6FADB20C630F}"/>
+                <a16:creationId xmlns:a16="http://schemas.microsoft.com/office/drawing/2014/main" id="{1CE54A88-CBDB-6929-C048-D0A96C475B72}"/>
               </a:ext>
             </a:extLst>
           </p:cNvPr>
@@ -2286,7 +2286,7 @@
           <p:cNvPr id="4" name="文本占位符 3">
             <a:extLst>
               <a:ext uri="{FF2B5EF4-FFF2-40B4-BE49-F238E27FC236}">
-                <a16:creationId xmlns:a16="http://schemas.microsoft.com/office/drawing/2014/main" id="{449F2193-504C-157B-F714-5A8D826F83A4}"/>
+                <a16:creationId xmlns:a16="http://schemas.microsoft.com/office/drawing/2014/main" id="{31AA0357-9F08-ECC6-2924-6A1C993AC1C7}"/>
               </a:ext>
             </a:extLst>
           </p:cNvPr>
@@ -2357,7 +2357,7 @@
           <p:cNvPr id="5" name="日期占位符 4">
             <a:extLst>
               <a:ext uri="{FF2B5EF4-FFF2-40B4-BE49-F238E27FC236}">
-                <a16:creationId xmlns:a16="http://schemas.microsoft.com/office/drawing/2014/main" id="{E23907E2-E095-C03F-60BB-39A567BBA906}"/>
+                <a16:creationId xmlns:a16="http://schemas.microsoft.com/office/drawing/2014/main" id="{8DC1354F-8E89-B061-68C1-FF3A60AE0BEB}"/>
               </a:ext>
             </a:extLst>
           </p:cNvPr>
@@ -2373,7 +2373,7 @@
           <a:bodyPr/>
           <a:lstStyle/>
           <a:p>
-            <a:fld id="{421244FF-D013-4148-AC21-3D422CCCE72A}" type="datetimeFigureOut">
+            <a:fld id="{7F5E6387-797B-4A7B-BD61-80A49F7781C7}" type="datetimeFigureOut">
               <a:rPr lang="zh-CN" altLang="en-US" smtClean="0"/>
               <a:t>2024/3/10</a:t>
             </a:fld>
@@ -2386,7 +2386,7 @@
           <p:cNvPr id="6" name="页脚占位符 5">
             <a:extLst>
               <a:ext uri="{FF2B5EF4-FFF2-40B4-BE49-F238E27FC236}">
-                <a16:creationId xmlns:a16="http://schemas.microsoft.com/office/drawing/2014/main" id="{C36252B6-A406-2835-1D86-5A289E51C676}"/>
+                <a16:creationId xmlns:a16="http://schemas.microsoft.com/office/drawing/2014/main" id="{71B0B7EF-8D8F-0B22-9232-1CCA456F77B2}"/>
               </a:ext>
             </a:extLst>
           </p:cNvPr>
@@ -2411,7 +2411,7 @@
           <p:cNvPr id="7" name="灯片编号占位符 6">
             <a:extLst>
               <a:ext uri="{FF2B5EF4-FFF2-40B4-BE49-F238E27FC236}">
-                <a16:creationId xmlns:a16="http://schemas.microsoft.com/office/drawing/2014/main" id="{DF741B3B-9DCA-5F7B-F708-2B9D44FBD0CB}"/>
+                <a16:creationId xmlns:a16="http://schemas.microsoft.com/office/drawing/2014/main" id="{F10133C8-9A40-3F93-DEA2-FE99A68F5F3C}"/>
               </a:ext>
             </a:extLst>
           </p:cNvPr>
@@ -2427,7 +2427,7 @@
           <a:bodyPr/>
           <a:lstStyle/>
           <a:p>
-            <a:fld id="{C8D75FC8-7C5B-49C4-B147-9170B025744A}" type="slidenum">
+            <a:fld id="{7926E6C4-1A70-4258-8C2E-03FC97D055E7}" type="slidenum">
               <a:rPr lang="zh-CN" altLang="en-US" smtClean="0"/>
               <a:t>‹#›</a:t>
             </a:fld>
@@ -2438,7 +2438,7 @@
     </p:spTree>
     <p:extLst>
       <p:ext uri="{BB962C8B-B14F-4D97-AF65-F5344CB8AC3E}">
-        <p14:creationId xmlns:p14="http://schemas.microsoft.com/office/powerpoint/2010/main" val="4139420091"/>
+        <p14:creationId xmlns:p14="http://schemas.microsoft.com/office/powerpoint/2010/main" val="729803284"/>
       </p:ext>
     </p:extLst>
   </p:cSld>
@@ -2470,7 +2470,7 @@
           <p:cNvPr id="2" name="标题 1">
             <a:extLst>
               <a:ext uri="{FF2B5EF4-FFF2-40B4-BE49-F238E27FC236}">
-                <a16:creationId xmlns:a16="http://schemas.microsoft.com/office/drawing/2014/main" id="{6F591480-1EA7-6AE2-6C7A-FA72B24A5813}"/>
+                <a16:creationId xmlns:a16="http://schemas.microsoft.com/office/drawing/2014/main" id="{3DE18D8F-CFF3-2BD7-C07C-662D65AF4C8C}"/>
               </a:ext>
             </a:extLst>
           </p:cNvPr>
@@ -2507,7 +2507,7 @@
           <p:cNvPr id="3" name="图片占位符 2">
             <a:extLst>
               <a:ext uri="{FF2B5EF4-FFF2-40B4-BE49-F238E27FC236}">
-                <a16:creationId xmlns:a16="http://schemas.microsoft.com/office/drawing/2014/main" id="{200099DC-718D-7DEA-89EE-751FC60481F9}"/>
+                <a16:creationId xmlns:a16="http://schemas.microsoft.com/office/drawing/2014/main" id="{C110A384-6DD7-4565-09EA-3410133F8F93}"/>
               </a:ext>
             </a:extLst>
           </p:cNvPr>
@@ -2574,7 +2574,7 @@
           <p:cNvPr id="4" name="文本占位符 3">
             <a:extLst>
               <a:ext uri="{FF2B5EF4-FFF2-40B4-BE49-F238E27FC236}">
-                <a16:creationId xmlns:a16="http://schemas.microsoft.com/office/drawing/2014/main" id="{E909C100-57B5-428E-0D9E-947048D4DC3C}"/>
+                <a16:creationId xmlns:a16="http://schemas.microsoft.com/office/drawing/2014/main" id="{BEA2F829-7691-94E9-73F1-971940BE5F85}"/>
               </a:ext>
             </a:extLst>
           </p:cNvPr>
@@ -2645,7 +2645,7 @@
           <p:cNvPr id="5" name="日期占位符 4">
             <a:extLst>
               <a:ext uri="{FF2B5EF4-FFF2-40B4-BE49-F238E27FC236}">
-                <a16:creationId xmlns:a16="http://schemas.microsoft.com/office/drawing/2014/main" id="{8D0DF8A8-5A41-3417-9D02-5BD6E535F0BF}"/>
+                <a16:creationId xmlns:a16="http://schemas.microsoft.com/office/drawing/2014/main" id="{ED63DC34-70D0-998B-0BB2-32BD3AA36D1B}"/>
               </a:ext>
             </a:extLst>
           </p:cNvPr>
@@ -2661,7 +2661,7 @@
           <a:bodyPr/>
           <a:lstStyle/>
           <a:p>
-            <a:fld id="{421244FF-D013-4148-AC21-3D422CCCE72A}" type="datetimeFigureOut">
+            <a:fld id="{7F5E6387-797B-4A7B-BD61-80A49F7781C7}" type="datetimeFigureOut">
               <a:rPr lang="zh-CN" altLang="en-US" smtClean="0"/>
               <a:t>2024/3/10</a:t>
             </a:fld>
@@ -2674,7 +2674,7 @@
           <p:cNvPr id="6" name="页脚占位符 5">
             <a:extLst>
               <a:ext uri="{FF2B5EF4-FFF2-40B4-BE49-F238E27FC236}">
-                <a16:creationId xmlns:a16="http://schemas.microsoft.com/office/drawing/2014/main" id="{FE6F80D3-278F-3CE2-FC98-ACF3609D38D9}"/>
+                <a16:creationId xmlns:a16="http://schemas.microsoft.com/office/drawing/2014/main" id="{946A769F-200E-984C-ACC5-EA6AAB741E9A}"/>
               </a:ext>
             </a:extLst>
           </p:cNvPr>
@@ -2699,7 +2699,7 @@
           <p:cNvPr id="7" name="灯片编号占位符 6">
             <a:extLst>
               <a:ext uri="{FF2B5EF4-FFF2-40B4-BE49-F238E27FC236}">
-                <a16:creationId xmlns:a16="http://schemas.microsoft.com/office/drawing/2014/main" id="{EC7615C6-ABEE-5862-9F2A-4A0B7C07D0E9}"/>
+                <a16:creationId xmlns:a16="http://schemas.microsoft.com/office/drawing/2014/main" id="{F17DF759-7CDD-024E-7987-235F176C00F2}"/>
               </a:ext>
             </a:extLst>
           </p:cNvPr>
@@ -2715,7 +2715,7 @@
           <a:bodyPr/>
           <a:lstStyle/>
           <a:p>
-            <a:fld id="{C8D75FC8-7C5B-49C4-B147-9170B025744A}" type="slidenum">
+            <a:fld id="{7926E6C4-1A70-4258-8C2E-03FC97D055E7}" type="slidenum">
               <a:rPr lang="zh-CN" altLang="en-US" smtClean="0"/>
               <a:t>‹#›</a:t>
             </a:fld>
@@ -2726,7 +2726,7 @@
     </p:spTree>
     <p:extLst>
       <p:ext uri="{BB962C8B-B14F-4D97-AF65-F5344CB8AC3E}">
-        <p14:creationId xmlns:p14="http://schemas.microsoft.com/office/powerpoint/2010/main" val="2791318825"/>
+        <p14:creationId xmlns:p14="http://schemas.microsoft.com/office/powerpoint/2010/main" val="3486964538"/>
       </p:ext>
     </p:extLst>
   </p:cSld>
@@ -2763,7 +2763,7 @@
           <p:cNvPr id="2" name="标题占位符 1">
             <a:extLst>
               <a:ext uri="{FF2B5EF4-FFF2-40B4-BE49-F238E27FC236}">
-                <a16:creationId xmlns:a16="http://schemas.microsoft.com/office/drawing/2014/main" id="{3447B8C8-A5AC-BE47-1F0E-9B60BF948C90}"/>
+                <a16:creationId xmlns:a16="http://schemas.microsoft.com/office/drawing/2014/main" id="{1109111F-3552-9840-88F6-D99B918D0219}"/>
               </a:ext>
             </a:extLst>
           </p:cNvPr>
@@ -2801,7 +2801,7 @@
           <p:cNvPr id="3" name="文本占位符 2">
             <a:extLst>
               <a:ext uri="{FF2B5EF4-FFF2-40B4-BE49-F238E27FC236}">
-                <a16:creationId xmlns:a16="http://schemas.microsoft.com/office/drawing/2014/main" id="{24DC9C78-6447-AA54-8B05-1D2564B9DA73}"/>
+                <a16:creationId xmlns:a16="http://schemas.microsoft.com/office/drawing/2014/main" id="{B30B62E1-8054-0062-E374-40D38CADDDE3}"/>
               </a:ext>
             </a:extLst>
           </p:cNvPr>
@@ -2868,7 +2868,7 @@
           <p:cNvPr id="4" name="日期占位符 3">
             <a:extLst>
               <a:ext uri="{FF2B5EF4-FFF2-40B4-BE49-F238E27FC236}">
-                <a16:creationId xmlns:a16="http://schemas.microsoft.com/office/drawing/2014/main" id="{A22DB283-59A8-DD26-E772-9CC6CA2D3C89}"/>
+                <a16:creationId xmlns:a16="http://schemas.microsoft.com/office/drawing/2014/main" id="{8225C4A4-53D2-B13E-ADA1-DE8042B6E2B2}"/>
               </a:ext>
             </a:extLst>
           </p:cNvPr>
@@ -2902,7 +2902,7 @@
             </a:lvl1pPr>
           </a:lstStyle>
           <a:p>
-            <a:fld id="{421244FF-D013-4148-AC21-3D422CCCE72A}" type="datetimeFigureOut">
+            <a:fld id="{7F5E6387-797B-4A7B-BD61-80A49F7781C7}" type="datetimeFigureOut">
               <a:rPr lang="zh-CN" altLang="en-US" smtClean="0"/>
               <a:t>2024/3/10</a:t>
             </a:fld>
@@ -2915,7 +2915,7 @@
           <p:cNvPr id="5" name="页脚占位符 4">
             <a:extLst>
               <a:ext uri="{FF2B5EF4-FFF2-40B4-BE49-F238E27FC236}">
-                <a16:creationId xmlns:a16="http://schemas.microsoft.com/office/drawing/2014/main" id="{55034910-4D82-E58C-9874-5CA77CDC3CC5}"/>
+                <a16:creationId xmlns:a16="http://schemas.microsoft.com/office/drawing/2014/main" id="{86AB4BCA-F587-8035-FD22-F8ED10654A7F}"/>
               </a:ext>
             </a:extLst>
           </p:cNvPr>
@@ -2958,7 +2958,7 @@
           <p:cNvPr id="6" name="灯片编号占位符 5">
             <a:extLst>
               <a:ext uri="{FF2B5EF4-FFF2-40B4-BE49-F238E27FC236}">
-                <a16:creationId xmlns:a16="http://schemas.microsoft.com/office/drawing/2014/main" id="{EA283060-3E30-B394-F01C-1C6D59182F20}"/>
+                <a16:creationId xmlns:a16="http://schemas.microsoft.com/office/drawing/2014/main" id="{4218A754-DEB0-5ECC-6C0D-79BB292FCF1E}"/>
               </a:ext>
             </a:extLst>
           </p:cNvPr>
@@ -2992,7 +2992,7 @@
             </a:lvl1pPr>
           </a:lstStyle>
           <a:p>
-            <a:fld id="{C8D75FC8-7C5B-49C4-B147-9170B025744A}" type="slidenum">
+            <a:fld id="{7926E6C4-1A70-4258-8C2E-03FC97D055E7}" type="slidenum">
               <a:rPr lang="zh-CN" altLang="en-US" smtClean="0"/>
               <a:t>‹#›</a:t>
             </a:fld>
@@ -3003,7 +3003,7 @@
     </p:spTree>
     <p:extLst>
       <p:ext uri="{BB962C8B-B14F-4D97-AF65-F5344CB8AC3E}">
-        <p14:creationId xmlns:p14="http://schemas.microsoft.com/office/powerpoint/2010/main" val="3487218880"/>
+        <p14:creationId xmlns:p14="http://schemas.microsoft.com/office/powerpoint/2010/main" val="2343955840"/>
       </p:ext>
     </p:extLst>
   </p:cSld>
